--- a/presentations/000master.pptx
+++ b/presentations/000master.pptx
@@ -194,7 +194,7 @@
             <a:fld id="{7307762F-A706-E543-A832-3C298AA3103F}" type="datetimeFigureOut">
               <a:rPr lang="en-US" smtClean="0"/>
               <a:pPr/>
-              <a:t>02/11/2012</a:t>
+              <a:t>07/12/2012</a:t>
             </a:fld>
             <a:endParaRPr lang="en-US" dirty="0"/>
           </a:p>
@@ -761,7 +761,7 @@
           <a:p>
             <a:fld id="{875CF0EB-321F-0749-B37A-89BBA859503C}" type="datetimeFigureOut">
               <a:rPr lang="en-US" smtClean="0"/>
-              <a:t>02/11/2012</a:t>
+              <a:t>07/12/2012</a:t>
             </a:fld>
             <a:endParaRPr lang="en-US"/>
           </a:p>
@@ -965,7 +965,7 @@
           <a:p>
             <a:fld id="{875CF0EB-321F-0749-B37A-89BBA859503C}" type="datetimeFigureOut">
               <a:rPr lang="en-US" smtClean="0"/>
-              <a:t>02/11/2012</a:t>
+              <a:t>07/12/2012</a:t>
             </a:fld>
             <a:endParaRPr lang="en-US"/>
           </a:p>
@@ -1159,7 +1159,7 @@
           <a:p>
             <a:fld id="{875CF0EB-321F-0749-B37A-89BBA859503C}" type="datetimeFigureOut">
               <a:rPr lang="en-US" smtClean="0"/>
-              <a:t>02/11/2012</a:t>
+              <a:t>07/12/2012</a:t>
             </a:fld>
             <a:endParaRPr lang="en-US"/>
           </a:p>
@@ -1429,7 +1429,7 @@
           <a:p>
             <a:fld id="{875CF0EB-321F-0749-B37A-89BBA859503C}" type="datetimeFigureOut">
               <a:rPr lang="en-US" smtClean="0"/>
-              <a:t>02/11/2012</a:t>
+              <a:t>07/12/2012</a:t>
             </a:fld>
             <a:endParaRPr lang="en-US"/>
           </a:p>
@@ -1741,7 +1741,7 @@
           <a:p>
             <a:fld id="{875CF0EB-321F-0749-B37A-89BBA859503C}" type="datetimeFigureOut">
               <a:rPr lang="en-US" smtClean="0"/>
-              <a:t>02/11/2012</a:t>
+              <a:t>07/12/2012</a:t>
             </a:fld>
             <a:endParaRPr lang="en-US"/>
           </a:p>
@@ -2187,7 +2187,7 @@
           <a:p>
             <a:fld id="{875CF0EB-321F-0749-B37A-89BBA859503C}" type="datetimeFigureOut">
               <a:rPr lang="en-US" smtClean="0"/>
-              <a:t>02/11/2012</a:t>
+              <a:t>07/12/2012</a:t>
             </a:fld>
             <a:endParaRPr lang="en-US"/>
           </a:p>
@@ -2329,7 +2329,7 @@
           <a:p>
             <a:fld id="{875CF0EB-321F-0749-B37A-89BBA859503C}" type="datetimeFigureOut">
               <a:rPr lang="en-US" smtClean="0"/>
-              <a:t>02/11/2012</a:t>
+              <a:t>07/12/2012</a:t>
             </a:fld>
             <a:endParaRPr lang="en-US"/>
           </a:p>
@@ -2448,7 +2448,7 @@
           <a:p>
             <a:fld id="{875CF0EB-321F-0749-B37A-89BBA859503C}" type="datetimeFigureOut">
               <a:rPr lang="en-US" smtClean="0"/>
-              <a:t>02/11/2012</a:t>
+              <a:t>07/12/2012</a:t>
             </a:fld>
             <a:endParaRPr lang="en-US"/>
           </a:p>
@@ -2749,7 +2749,7 @@
           <a:p>
             <a:fld id="{875CF0EB-321F-0749-B37A-89BBA859503C}" type="datetimeFigureOut">
               <a:rPr lang="en-US" smtClean="0"/>
-              <a:t>02/11/2012</a:t>
+              <a:t>07/12/2012</a:t>
             </a:fld>
             <a:endParaRPr lang="en-US"/>
           </a:p>
@@ -3026,7 +3026,7 @@
           <a:p>
             <a:fld id="{875CF0EB-321F-0749-B37A-89BBA859503C}" type="datetimeFigureOut">
               <a:rPr lang="en-US" smtClean="0"/>
-              <a:t>02/11/2012</a:t>
+              <a:t>07/12/2012</a:t>
             </a:fld>
             <a:endParaRPr lang="en-US"/>
           </a:p>
